--- a/2DGP 프로젝트 2차.pptx
+++ b/2DGP 프로젝트 2차.pptx
@@ -3559,7 +3559,7 @@
           <p:nvPr>
             <p:extLst>
               <p:ext uri="{D42A27DB-BD31-4B8C-83A1-F6EECF244321}">
-                <p14:modId xmlns:p14="http://schemas.microsoft.com/office/powerpoint/2010/main" val="3896029982"/>
+                <p14:modId xmlns:p14="http://schemas.microsoft.com/office/powerpoint/2010/main" val="4063172726"/>
               </p:ext>
             </p:extLst>
           </p:nvPr>
@@ -4318,7 +4318,7 @@
                       <a:pPr algn="ctr" latinLnBrk="1"/>
                       <a:r>
                         <a:rPr lang="ko-KR" altLang="en-US" sz="1200" dirty="0"/>
-                        <a:t>구현하지 못하</a:t>
+                        <a:t>구현하지 못함</a:t>
                       </a:r>
                     </a:p>
                   </a:txBody>
